--- a/Video Ver1/Video PPT/7. DDL Commands.pptx
+++ b/Video Ver1/Video PPT/7. DDL Commands.pptx
@@ -260,7 +260,7 @@
             <a:fld id="{4DF51050-3720-483B-B552-57DC1341D582}" type="datetimeFigureOut">
               <a:rPr lang="en-US" smtClean="0"/>
               <a:pPr/>
-              <a:t>6/10/2020</a:t>
+              <a:t>6/12/2020</a:t>
             </a:fld>
             <a:endParaRPr lang="en-US"/>
           </a:p>
@@ -719,7 +719,7 @@
             <a:fld id="{EEE556E8-492E-4E8F-8E7F-7A7787724D01}" type="datetimeFigureOut">
               <a:rPr lang="en-US" smtClean="0"/>
               <a:pPr/>
-              <a:t>6/10/2020</a:t>
+              <a:t>6/12/2020</a:t>
             </a:fld>
             <a:endParaRPr lang="en-US"/>
           </a:p>
@@ -924,7 +924,7 @@
             <a:fld id="{EEE556E8-492E-4E8F-8E7F-7A7787724D01}" type="datetimeFigureOut">
               <a:rPr lang="en-US" smtClean="0"/>
               <a:pPr/>
-              <a:t>6/10/2020</a:t>
+              <a:t>6/12/2020</a:t>
             </a:fld>
             <a:endParaRPr lang="en-US"/>
           </a:p>
@@ -1129,7 +1129,7 @@
             <a:fld id="{EEE556E8-492E-4E8F-8E7F-7A7787724D01}" type="datetimeFigureOut">
               <a:rPr lang="en-US" smtClean="0"/>
               <a:pPr/>
-              <a:t>6/10/2020</a:t>
+              <a:t>6/12/2020</a:t>
             </a:fld>
             <a:endParaRPr lang="en-US"/>
           </a:p>
@@ -1334,7 +1334,7 @@
             <a:fld id="{EEE556E8-492E-4E8F-8E7F-7A7787724D01}" type="datetimeFigureOut">
               <a:rPr lang="en-US" smtClean="0"/>
               <a:pPr/>
-              <a:t>6/10/2020</a:t>
+              <a:t>6/12/2020</a:t>
             </a:fld>
             <a:endParaRPr lang="en-US"/>
           </a:p>
@@ -1606,7 +1606,7 @@
             <a:fld id="{EEE556E8-492E-4E8F-8E7F-7A7787724D01}" type="datetimeFigureOut">
               <a:rPr lang="en-US" smtClean="0"/>
               <a:pPr/>
-              <a:t>6/10/2020</a:t>
+              <a:t>6/12/2020</a:t>
             </a:fld>
             <a:endParaRPr lang="en-US"/>
           </a:p>
@@ -1926,7 +1926,7 @@
             <a:fld id="{EEE556E8-492E-4E8F-8E7F-7A7787724D01}" type="datetimeFigureOut">
               <a:rPr lang="en-US" smtClean="0"/>
               <a:pPr/>
-              <a:t>6/10/2020</a:t>
+              <a:t>6/12/2020</a:t>
             </a:fld>
             <a:endParaRPr lang="en-US"/>
           </a:p>
@@ -2386,7 +2386,7 @@
             <a:fld id="{EEE556E8-492E-4E8F-8E7F-7A7787724D01}" type="datetimeFigureOut">
               <a:rPr lang="en-US" smtClean="0"/>
               <a:pPr/>
-              <a:t>6/10/2020</a:t>
+              <a:t>6/12/2020</a:t>
             </a:fld>
             <a:endParaRPr lang="en-US"/>
           </a:p>
@@ -2532,7 +2532,7 @@
             <a:fld id="{EEE556E8-492E-4E8F-8E7F-7A7787724D01}" type="datetimeFigureOut">
               <a:rPr lang="en-US" smtClean="0"/>
               <a:pPr/>
-              <a:t>6/10/2020</a:t>
+              <a:t>6/12/2020</a:t>
             </a:fld>
             <a:endParaRPr lang="en-US"/>
           </a:p>
@@ -2862,7 +2862,7 @@
             <a:fld id="{EEE556E8-492E-4E8F-8E7F-7A7787724D01}" type="datetimeFigureOut">
               <a:rPr lang="en-US" smtClean="0"/>
               <a:pPr/>
-              <a:t>6/10/2020</a:t>
+              <a:t>6/12/2020</a:t>
             </a:fld>
             <a:endParaRPr lang="en-US"/>
           </a:p>
@@ -3144,7 +3144,7 @@
             <a:fld id="{EEE556E8-492E-4E8F-8E7F-7A7787724D01}" type="datetimeFigureOut">
               <a:rPr lang="en-US" smtClean="0"/>
               <a:pPr/>
-              <a:t>6/10/2020</a:t>
+              <a:t>6/12/2020</a:t>
             </a:fld>
             <a:endParaRPr lang="en-US"/>
           </a:p>
@@ -5010,10 +5010,26 @@
           <a:lstStyle/>
           <a:p>
             <a:r>
+              <a:rPr lang="en-US" b="1" dirty="0">
+                <a:latin typeface="Palatino Linotype" pitchFamily="18" charset="0"/>
+              </a:rPr>
+              <a:t>DROP</a:t>
+            </a:r>
+            <a:r>
+              <a:rPr lang="en-US" dirty="0"/>
+              <a:t> command, </a:t>
+            </a:r>
+            <a:r>
               <a:rPr lang="en-US" dirty="0" smtClean="0">
                 <a:latin typeface="Palatino Linotype" pitchFamily="18" charset="0"/>
               </a:rPr>
-              <a:t>It is very easy to drop an existing MySQL table, but you need to be very careful while deleting any existing table because the data lost will not be recovered after deleting a table.</a:t>
+              <a:t>It </a:t>
+            </a:r>
+            <a:r>
+              <a:rPr lang="en-US" dirty="0" smtClean="0">
+                <a:latin typeface="Palatino Linotype" pitchFamily="18" charset="0"/>
+              </a:rPr>
+              <a:t>is very easy to drop an existing MySQL table, but you need to be very careful while deleting any existing table because the data lost will not be recovered after deleting a table.</a:t>
             </a:r>
             <a:endParaRPr lang="en-US" dirty="0">
               <a:latin typeface="Palatino Linotype" pitchFamily="18" charset="0"/>

--- a/Video Ver1/Video PPT/7. DDL Commands.pptx
+++ b/Video Ver1/Video PPT/7. DDL Commands.pptx
@@ -260,7 +260,7 @@
             <a:fld id="{4DF51050-3720-483B-B552-57DC1341D582}" type="datetimeFigureOut">
               <a:rPr lang="en-US" smtClean="0"/>
               <a:pPr/>
-              <a:t>6/12/2020</a:t>
+              <a:t>6/13/2020</a:t>
             </a:fld>
             <a:endParaRPr lang="en-US"/>
           </a:p>
@@ -719,7 +719,7 @@
             <a:fld id="{EEE556E8-492E-4E8F-8E7F-7A7787724D01}" type="datetimeFigureOut">
               <a:rPr lang="en-US" smtClean="0"/>
               <a:pPr/>
-              <a:t>6/12/2020</a:t>
+              <a:t>6/13/2020</a:t>
             </a:fld>
             <a:endParaRPr lang="en-US"/>
           </a:p>
@@ -924,7 +924,7 @@
             <a:fld id="{EEE556E8-492E-4E8F-8E7F-7A7787724D01}" type="datetimeFigureOut">
               <a:rPr lang="en-US" smtClean="0"/>
               <a:pPr/>
-              <a:t>6/12/2020</a:t>
+              <a:t>6/13/2020</a:t>
             </a:fld>
             <a:endParaRPr lang="en-US"/>
           </a:p>
@@ -1129,7 +1129,7 @@
             <a:fld id="{EEE556E8-492E-4E8F-8E7F-7A7787724D01}" type="datetimeFigureOut">
               <a:rPr lang="en-US" smtClean="0"/>
               <a:pPr/>
-              <a:t>6/12/2020</a:t>
+              <a:t>6/13/2020</a:t>
             </a:fld>
             <a:endParaRPr lang="en-US"/>
           </a:p>
@@ -1334,7 +1334,7 @@
             <a:fld id="{EEE556E8-492E-4E8F-8E7F-7A7787724D01}" type="datetimeFigureOut">
               <a:rPr lang="en-US" smtClean="0"/>
               <a:pPr/>
-              <a:t>6/12/2020</a:t>
+              <a:t>6/13/2020</a:t>
             </a:fld>
             <a:endParaRPr lang="en-US"/>
           </a:p>
@@ -1606,7 +1606,7 @@
             <a:fld id="{EEE556E8-492E-4E8F-8E7F-7A7787724D01}" type="datetimeFigureOut">
               <a:rPr lang="en-US" smtClean="0"/>
               <a:pPr/>
-              <a:t>6/12/2020</a:t>
+              <a:t>6/13/2020</a:t>
             </a:fld>
             <a:endParaRPr lang="en-US"/>
           </a:p>
@@ -1926,7 +1926,7 @@
             <a:fld id="{EEE556E8-492E-4E8F-8E7F-7A7787724D01}" type="datetimeFigureOut">
               <a:rPr lang="en-US" smtClean="0"/>
               <a:pPr/>
-              <a:t>6/12/2020</a:t>
+              <a:t>6/13/2020</a:t>
             </a:fld>
             <a:endParaRPr lang="en-US"/>
           </a:p>
@@ -2386,7 +2386,7 @@
             <a:fld id="{EEE556E8-492E-4E8F-8E7F-7A7787724D01}" type="datetimeFigureOut">
               <a:rPr lang="en-US" smtClean="0"/>
               <a:pPr/>
-              <a:t>6/12/2020</a:t>
+              <a:t>6/13/2020</a:t>
             </a:fld>
             <a:endParaRPr lang="en-US"/>
           </a:p>
@@ -2532,7 +2532,7 @@
             <a:fld id="{EEE556E8-492E-4E8F-8E7F-7A7787724D01}" type="datetimeFigureOut">
               <a:rPr lang="en-US" smtClean="0"/>
               <a:pPr/>
-              <a:t>6/12/2020</a:t>
+              <a:t>6/13/2020</a:t>
             </a:fld>
             <a:endParaRPr lang="en-US"/>
           </a:p>
@@ -2862,7 +2862,7 @@
             <a:fld id="{EEE556E8-492E-4E8F-8E7F-7A7787724D01}" type="datetimeFigureOut">
               <a:rPr lang="en-US" smtClean="0"/>
               <a:pPr/>
-              <a:t>6/12/2020</a:t>
+              <a:t>6/13/2020</a:t>
             </a:fld>
             <a:endParaRPr lang="en-US"/>
           </a:p>
@@ -3144,7 +3144,7 @@
             <a:fld id="{EEE556E8-492E-4E8F-8E7F-7A7787724D01}" type="datetimeFigureOut">
               <a:rPr lang="en-US" smtClean="0"/>
               <a:pPr/>
-              <a:t>6/12/2020</a:t>
+              <a:t>6/13/2020</a:t>
             </a:fld>
             <a:endParaRPr lang="en-US"/>
           </a:p>
@@ -4757,6 +4757,13 @@
   <p:clrMapOvr>
     <a:masterClrMapping/>
   </p:clrMapOvr>
+  <p:timing>
+    <p:tnLst>
+      <p:par>
+        <p:cTn id="1" dur="indefinite" restart="never" nodeType="tmRoot"/>
+      </p:par>
+    </p:tnLst>
+  </p:timing>
 </p:sld>
 </file>
 
@@ -5023,13 +5030,7 @@
               <a:rPr lang="en-US" dirty="0" smtClean="0">
                 <a:latin typeface="Palatino Linotype" pitchFamily="18" charset="0"/>
               </a:rPr>
-              <a:t>It </a:t>
-            </a:r>
-            <a:r>
-              <a:rPr lang="en-US" dirty="0" smtClean="0">
-                <a:latin typeface="Palatino Linotype" pitchFamily="18" charset="0"/>
-              </a:rPr>
-              <a:t>is very easy to drop an existing MySQL table, but you need to be very careful while deleting any existing table because the data lost will not be recovered after deleting a table.</a:t>
+              <a:t>It is very easy to drop an existing MySQL table, but you need to be very careful while deleting any existing table because the data lost will not be recovered after deleting a table.</a:t>
             </a:r>
             <a:endParaRPr lang="en-US" dirty="0">
               <a:latin typeface="Palatino Linotype" pitchFamily="18" charset="0"/>
@@ -5083,6 +5084,13 @@
   <p:clrMapOvr>
     <a:masterClrMapping/>
   </p:clrMapOvr>
+  <p:timing>
+    <p:tnLst>
+      <p:par>
+        <p:cTn id="1" dur="indefinite" restart="never" nodeType="tmRoot"/>
+      </p:par>
+    </p:tnLst>
+  </p:timing>
 </p:sld>
 </file>
 

--- a/Video Ver1/Video PPT/7. DDL Commands.pptx
+++ b/Video Ver1/Video PPT/7. DDL Commands.pptx
@@ -5,13 +5,14 @@
     <p:sldMasterId id="2147483648" r:id="rId1"/>
   </p:sldMasterIdLst>
   <p:notesMasterIdLst>
-    <p:notesMasterId r:id="rId6"/>
+    <p:notesMasterId r:id="rId7"/>
   </p:notesMasterIdLst>
   <p:sldIdLst>
     <p:sldId id="1241" r:id="rId2"/>
-    <p:sldId id="1243" r:id="rId3"/>
-    <p:sldId id="1244" r:id="rId4"/>
-    <p:sldId id="1245" r:id="rId5"/>
+    <p:sldId id="1246" r:id="rId3"/>
+    <p:sldId id="1243" r:id="rId4"/>
+    <p:sldId id="1244" r:id="rId5"/>
+    <p:sldId id="1245" r:id="rId6"/>
   </p:sldIdLst>
   <p:sldSz cx="12190413" cy="6858000"/>
   <p:notesSz cx="6858000" cy="9144000"/>
@@ -112,7 +113,7 @@
   </p:defaultTextStyle>
   <p:extLst>
     <p:ext uri="{521415D9-36F7-43E2-AB2F-B90AF26B5E84}">
-      <p14:sectionLst xmlns:p14="http://schemas.microsoft.com/office/powerpoint/2010/main">
+      <p14:sectionLst xmlns:p14="http://schemas.microsoft.com/office/powerpoint/2010/main" xmlns="">
         <p14:section name="Introduction" id="{A3D14946-8297-4856-B082-4FEFA482017C}">
           <p14:sldIdLst>
             <p14:sldId id="1241"/>
@@ -148,7 +149,7 @@
       </p14:sectionLst>
     </p:ext>
     <p:ext uri="{EFAFB233-063F-42B5-8137-9DF3F51BA10A}">
-      <p15:sldGuideLst xmlns:p15="http://schemas.microsoft.com/office/powerpoint/2012/main">
+      <p15:sldGuideLst xmlns:p15="http://schemas.microsoft.com/office/powerpoint/2012/main" xmlns="">
         <p15:guide id="1" orient="horz" pos="2160">
           <p15:clr>
             <a:srgbClr val="A4A3A4"/>
@@ -170,7 +171,7 @@
   <p:cmAuthor id="1" name="Saleel" initials="S" lastIdx="1" clrIdx="0">
     <p:extLst>
       <p:ext uri="{19B8F6BF-5375-455C-9EA6-DF929625EA0E}">
-        <p15:presenceInfo xmlns:p15="http://schemas.microsoft.com/office/powerpoint/2012/main" userId="Saleel" providerId="None"/>
+        <p15:presenceInfo xmlns:p15="http://schemas.microsoft.com/office/powerpoint/2012/main" xmlns="" userId="Saleel" providerId="None"/>
       </p:ext>
     </p:extLst>
   </p:cmAuthor>
@@ -260,7 +261,7 @@
             <a:fld id="{4DF51050-3720-483B-B552-57DC1341D582}" type="datetimeFigureOut">
               <a:rPr lang="en-US" smtClean="0"/>
               <a:pPr/>
-              <a:t>6/13/2020</a:t>
+              <a:t>6/20/2020</a:t>
             </a:fld>
             <a:endParaRPr lang="en-US"/>
           </a:p>
@@ -719,7 +720,7 @@
             <a:fld id="{EEE556E8-492E-4E8F-8E7F-7A7787724D01}" type="datetimeFigureOut">
               <a:rPr lang="en-US" smtClean="0"/>
               <a:pPr/>
-              <a:t>6/13/2020</a:t>
+              <a:t>6/20/2020</a:t>
             </a:fld>
             <a:endParaRPr lang="en-US"/>
           </a:p>
@@ -924,7 +925,7 @@
             <a:fld id="{EEE556E8-492E-4E8F-8E7F-7A7787724D01}" type="datetimeFigureOut">
               <a:rPr lang="en-US" smtClean="0"/>
               <a:pPr/>
-              <a:t>6/13/2020</a:t>
+              <a:t>6/20/2020</a:t>
             </a:fld>
             <a:endParaRPr lang="en-US"/>
           </a:p>
@@ -1129,7 +1130,7 @@
             <a:fld id="{EEE556E8-492E-4E8F-8E7F-7A7787724D01}" type="datetimeFigureOut">
               <a:rPr lang="en-US" smtClean="0"/>
               <a:pPr/>
-              <a:t>6/13/2020</a:t>
+              <a:t>6/20/2020</a:t>
             </a:fld>
             <a:endParaRPr lang="en-US"/>
           </a:p>
@@ -1334,7 +1335,7 @@
             <a:fld id="{EEE556E8-492E-4E8F-8E7F-7A7787724D01}" type="datetimeFigureOut">
               <a:rPr lang="en-US" smtClean="0"/>
               <a:pPr/>
-              <a:t>6/13/2020</a:t>
+              <a:t>6/20/2020</a:t>
             </a:fld>
             <a:endParaRPr lang="en-US"/>
           </a:p>
@@ -1606,7 +1607,7 @@
             <a:fld id="{EEE556E8-492E-4E8F-8E7F-7A7787724D01}" type="datetimeFigureOut">
               <a:rPr lang="en-US" smtClean="0"/>
               <a:pPr/>
-              <a:t>6/13/2020</a:t>
+              <a:t>6/20/2020</a:t>
             </a:fld>
             <a:endParaRPr lang="en-US"/>
           </a:p>
@@ -1926,7 +1927,7 @@
             <a:fld id="{EEE556E8-492E-4E8F-8E7F-7A7787724D01}" type="datetimeFigureOut">
               <a:rPr lang="en-US" smtClean="0"/>
               <a:pPr/>
-              <a:t>6/13/2020</a:t>
+              <a:t>6/20/2020</a:t>
             </a:fld>
             <a:endParaRPr lang="en-US"/>
           </a:p>
@@ -2386,7 +2387,7 @@
             <a:fld id="{EEE556E8-492E-4E8F-8E7F-7A7787724D01}" type="datetimeFigureOut">
               <a:rPr lang="en-US" smtClean="0"/>
               <a:pPr/>
-              <a:t>6/13/2020</a:t>
+              <a:t>6/20/2020</a:t>
             </a:fld>
             <a:endParaRPr lang="en-US"/>
           </a:p>
@@ -2532,7 +2533,7 @@
             <a:fld id="{EEE556E8-492E-4E8F-8E7F-7A7787724D01}" type="datetimeFigureOut">
               <a:rPr lang="en-US" smtClean="0"/>
               <a:pPr/>
-              <a:t>6/13/2020</a:t>
+              <a:t>6/20/2020</a:t>
             </a:fld>
             <a:endParaRPr lang="en-US"/>
           </a:p>
@@ -2862,7 +2863,7 @@
             <a:fld id="{EEE556E8-492E-4E8F-8E7F-7A7787724D01}" type="datetimeFigureOut">
               <a:rPr lang="en-US" smtClean="0"/>
               <a:pPr/>
-              <a:t>6/13/2020</a:t>
+              <a:t>6/20/2020</a:t>
             </a:fld>
             <a:endParaRPr lang="en-US"/>
           </a:p>
@@ -3144,7 +3145,7 @@
             <a:fld id="{EEE556E8-492E-4E8F-8E7F-7A7787724D01}" type="datetimeFigureOut">
               <a:rPr lang="en-US" smtClean="0"/>
               <a:pPr/>
-              <a:t>6/13/2020</a:t>
+              <a:t>6/20/2020</a:t>
             </a:fld>
             <a:endParaRPr lang="en-US"/>
           </a:p>
@@ -3530,7 +3531,7 @@
           <p:cNvPr id="8" name="Picture 7">
             <a:extLst>
               <a:ext uri="{FF2B5EF4-FFF2-40B4-BE49-F238E27FC236}">
-                <a16:creationId xmlns:a16="http://schemas.microsoft.com/office/drawing/2014/main" id="{FF24E983-0C73-4002-AA14-199E8763DD65}"/>
+                <a16:creationId xmlns:a16="http://schemas.microsoft.com/office/drawing/2014/main" xmlns="" id="{FF24E983-0C73-4002-AA14-199E8763DD65}"/>
               </a:ext>
             </a:extLst>
           </p:cNvPr>
@@ -3543,7 +3544,7 @@
           <a:blip r:embed="rId2" cstate="print">
             <a:extLst>
               <a:ext uri="{28A0092B-C50C-407E-A947-70E740481C1C}">
-                <a14:useLocalDpi xmlns:a14="http://schemas.microsoft.com/office/drawing/2010/main" val="0"/>
+                <a14:useLocalDpi xmlns:a14="http://schemas.microsoft.com/office/drawing/2010/main" xmlns="" val="0"/>
               </a:ext>
             </a:extLst>
           </a:blip>
@@ -3566,7 +3567,252 @@
           <p:cNvPr id="7" name="Footer Placeholder 2">
             <a:extLst>
               <a:ext uri="{FF2B5EF4-FFF2-40B4-BE49-F238E27FC236}">
-                <a16:creationId xmlns:a16="http://schemas.microsoft.com/office/drawing/2014/main" id="{E14F7621-66C5-47D6-A8C7-2B6C3CD2205A}"/>
+                <a16:creationId xmlns:a16="http://schemas.microsoft.com/office/drawing/2014/main" xmlns="" id="{E14F7621-66C5-47D6-A8C7-2B6C3CD2205A}"/>
+              </a:ext>
+            </a:extLst>
+          </p:cNvPr>
+          <p:cNvSpPr txBox="1">
+            <a:spLocks/>
+          </p:cNvSpPr>
+          <p:nvPr/>
+        </p:nvSpPr>
+        <p:spPr>
+          <a:xfrm>
+            <a:off x="3237431" y="6523037"/>
+            <a:ext cx="5400600" cy="365125"/>
+          </a:xfrm>
+          <a:prstGeom prst="rect">
+            <a:avLst/>
+          </a:prstGeom>
+        </p:spPr>
+        <p:txBody>
+          <a:bodyPr/>
+          <a:lstStyle>
+            <a:defPPr>
+              <a:defRPr lang="en-US"/>
+            </a:defPPr>
+            <a:lvl1pPr marL="0" algn="l" defTabSz="914400" rtl="0" eaLnBrk="1" latinLnBrk="0" hangingPunct="1">
+              <a:defRPr sz="1050" kern="1200">
+                <a:solidFill>
+                  <a:schemeClr val="tx1"/>
+                </a:solidFill>
+                <a:latin typeface="+mn-lt"/>
+                <a:ea typeface="+mn-ea"/>
+                <a:cs typeface="+mn-cs"/>
+              </a:defRPr>
+            </a:lvl1pPr>
+            <a:lvl2pPr marL="457200" algn="l" defTabSz="914400" rtl="0" eaLnBrk="1" latinLnBrk="0" hangingPunct="1">
+              <a:defRPr sz="1800" kern="1200">
+                <a:solidFill>
+                  <a:schemeClr val="tx1"/>
+                </a:solidFill>
+                <a:latin typeface="+mn-lt"/>
+                <a:ea typeface="+mn-ea"/>
+                <a:cs typeface="+mn-cs"/>
+              </a:defRPr>
+            </a:lvl2pPr>
+            <a:lvl3pPr marL="914400" algn="l" defTabSz="914400" rtl="0" eaLnBrk="1" latinLnBrk="0" hangingPunct="1">
+              <a:defRPr sz="1800" kern="1200">
+                <a:solidFill>
+                  <a:schemeClr val="tx1"/>
+                </a:solidFill>
+                <a:latin typeface="+mn-lt"/>
+                <a:ea typeface="+mn-ea"/>
+                <a:cs typeface="+mn-cs"/>
+              </a:defRPr>
+            </a:lvl3pPr>
+            <a:lvl4pPr marL="1371600" algn="l" defTabSz="914400" rtl="0" eaLnBrk="1" latinLnBrk="0" hangingPunct="1">
+              <a:defRPr sz="1800" kern="1200">
+                <a:solidFill>
+                  <a:schemeClr val="tx1"/>
+                </a:solidFill>
+                <a:latin typeface="+mn-lt"/>
+                <a:ea typeface="+mn-ea"/>
+                <a:cs typeface="+mn-cs"/>
+              </a:defRPr>
+            </a:lvl4pPr>
+            <a:lvl5pPr marL="1828800" algn="l" defTabSz="914400" rtl="0" eaLnBrk="1" latinLnBrk="0" hangingPunct="1">
+              <a:defRPr sz="1800" kern="1200">
+                <a:solidFill>
+                  <a:schemeClr val="tx1"/>
+                </a:solidFill>
+                <a:latin typeface="+mn-lt"/>
+                <a:ea typeface="+mn-ea"/>
+                <a:cs typeface="+mn-cs"/>
+              </a:defRPr>
+            </a:lvl5pPr>
+            <a:lvl6pPr marL="2286000" algn="l" defTabSz="914400" rtl="0" eaLnBrk="1" latinLnBrk="0" hangingPunct="1">
+              <a:defRPr sz="1800" kern="1200">
+                <a:solidFill>
+                  <a:schemeClr val="tx1"/>
+                </a:solidFill>
+                <a:latin typeface="+mn-lt"/>
+                <a:ea typeface="+mn-ea"/>
+                <a:cs typeface="+mn-cs"/>
+              </a:defRPr>
+            </a:lvl6pPr>
+            <a:lvl7pPr marL="2743200" algn="l" defTabSz="914400" rtl="0" eaLnBrk="1" latinLnBrk="0" hangingPunct="1">
+              <a:defRPr sz="1800" kern="1200">
+                <a:solidFill>
+                  <a:schemeClr val="tx1"/>
+                </a:solidFill>
+                <a:latin typeface="+mn-lt"/>
+                <a:ea typeface="+mn-ea"/>
+                <a:cs typeface="+mn-cs"/>
+              </a:defRPr>
+            </a:lvl7pPr>
+            <a:lvl8pPr marL="3200400" algn="l" defTabSz="914400" rtl="0" eaLnBrk="1" latinLnBrk="0" hangingPunct="1">
+              <a:defRPr sz="1800" kern="1200">
+                <a:solidFill>
+                  <a:schemeClr val="tx1"/>
+                </a:solidFill>
+                <a:latin typeface="+mn-lt"/>
+                <a:ea typeface="+mn-ea"/>
+                <a:cs typeface="+mn-cs"/>
+              </a:defRPr>
+            </a:lvl8pPr>
+            <a:lvl9pPr marL="3657600" algn="l" defTabSz="914400" rtl="0" eaLnBrk="1" latinLnBrk="0" hangingPunct="1">
+              <a:defRPr sz="1800" kern="1200">
+                <a:solidFill>
+                  <a:schemeClr val="tx1"/>
+                </a:solidFill>
+                <a:latin typeface="+mn-lt"/>
+                <a:ea typeface="+mn-ea"/>
+                <a:cs typeface="+mn-cs"/>
+              </a:defRPr>
+            </a:lvl9pPr>
+          </a:lstStyle>
+          <a:p>
+            <a:r>
+              <a:rPr lang="en-US" dirty="0"/>
+              <a:t>Infoway Technologies, 3rd  Floor Commerce Centre, Rambaug Colony, Paud Road Pune 411038</a:t>
+            </a:r>
+            <a:endParaRPr lang="en-IN" dirty="0"/>
+          </a:p>
+          <a:p>
+            <a:endParaRPr lang="en-US" dirty="0"/>
+          </a:p>
+        </p:txBody>
+      </p:sp>
+      <p:sp>
+        <p:nvSpPr>
+          <p:cNvPr id="10" name="Title 1"/>
+          <p:cNvSpPr txBox="1">
+            <a:spLocks/>
+          </p:cNvSpPr>
+          <p:nvPr/>
+        </p:nvSpPr>
+        <p:spPr>
+          <a:xfrm>
+            <a:off x="1676182" y="2442592"/>
+            <a:ext cx="8838049" cy="914400"/>
+          </a:xfrm>
+          <a:prstGeom prst="rect">
+            <a:avLst/>
+          </a:prstGeom>
+        </p:spPr>
+        <p:txBody>
+          <a:bodyPr>
+            <a:normAutofit/>
+          </a:bodyPr>
+          <a:lstStyle/>
+          <a:p>
+            <a:pPr algn="ctr">
+              <a:spcBef>
+                <a:spcPct val="0"/>
+              </a:spcBef>
+              <a:defRPr/>
+            </a:pPr>
+            <a:r>
+              <a:rPr lang="en-US" sz="4800" dirty="0" smtClean="0"/>
+              <a:t>DDL commands</a:t>
+            </a:r>
+            <a:endParaRPr lang="en-IN" sz="4800" dirty="0">
+              <a:latin typeface="Segoe UI Light" panose="020B0502040204020203" pitchFamily="34" charset="0"/>
+              <a:cs typeface="Segoe UI Light" panose="020B0502040204020203" pitchFamily="34" charset="0"/>
+            </a:endParaRPr>
+          </a:p>
+        </p:txBody>
+      </p:sp>
+    </p:spTree>
+    <p:extLst>
+      <p:ext uri="{BB962C8B-B14F-4D97-AF65-F5344CB8AC3E}">
+        <p14:creationId xmlns:p14="http://schemas.microsoft.com/office/powerpoint/2010/main" xmlns="" val="2547664928"/>
+      </p:ext>
+    </p:extLst>
+  </p:cSld>
+  <p:clrMapOvr>
+    <a:masterClrMapping/>
+  </p:clrMapOvr>
+  <p:timing>
+    <p:tnLst>
+      <p:par>
+        <p:cTn id="1" dur="indefinite" restart="never" nodeType="tmRoot"/>
+      </p:par>
+    </p:tnLst>
+  </p:timing>
+</p:sld>
+</file>
+
+<file path=ppt/slides/slide2.xml><?xml version="1.0" encoding="utf-8"?>
+<p:sld xmlns:a="http://schemas.openxmlformats.org/drawingml/2006/main" xmlns:r="http://schemas.openxmlformats.org/officeDocument/2006/relationships" xmlns:p="http://schemas.openxmlformats.org/presentationml/2006/main">
+  <p:cSld>
+    <p:spTree>
+      <p:nvGrpSpPr>
+        <p:cNvPr id="1" name=""/>
+        <p:cNvGrpSpPr/>
+        <p:nvPr/>
+      </p:nvGrpSpPr>
+      <p:grpSpPr>
+        <a:xfrm>
+          <a:off x="0" y="0"/>
+          <a:ext cx="0" cy="0"/>
+          <a:chOff x="0" y="0"/>
+          <a:chExt cx="0" cy="0"/>
+        </a:xfrm>
+      </p:grpSpPr>
+      <p:pic>
+        <p:nvPicPr>
+          <p:cNvPr id="8" name="Picture 7">
+            <a:extLst>
+              <a:ext uri="{FF2B5EF4-FFF2-40B4-BE49-F238E27FC236}">
+                <a16:creationId xmlns:a16="http://schemas.microsoft.com/office/drawing/2014/main" xmlns="" id="{FF24E983-0C73-4002-AA14-199E8763DD65}"/>
+              </a:ext>
+            </a:extLst>
+          </p:cNvPr>
+          <p:cNvPicPr>
+            <a:picLocks noChangeAspect="1"/>
+          </p:cNvPicPr>
+          <p:nvPr/>
+        </p:nvPicPr>
+        <p:blipFill>
+          <a:blip r:embed="rId2" cstate="print">
+            <a:extLst>
+              <a:ext uri="{28A0092B-C50C-407E-A947-70E740481C1C}">
+                <a14:useLocalDpi xmlns:a14="http://schemas.microsoft.com/office/drawing/2010/main" xmlns="" val="0"/>
+              </a:ext>
+            </a:extLst>
+          </a:blip>
+          <a:stretch>
+            <a:fillRect/>
+          </a:stretch>
+        </p:blipFill>
+        <p:spPr>
+          <a:xfrm>
+            <a:off x="118542" y="116632"/>
+            <a:ext cx="1371859" cy="445150"/>
+          </a:xfrm>
+          <a:prstGeom prst="rect">
+            <a:avLst/>
+          </a:prstGeom>
+        </p:spPr>
+      </p:pic>
+      <p:sp>
+        <p:nvSpPr>
+          <p:cNvPr id="7" name="Footer Placeholder 2">
+            <a:extLst>
+              <a:ext uri="{FF2B5EF4-FFF2-40B4-BE49-F238E27FC236}">
+                <a16:creationId xmlns:a16="http://schemas.microsoft.com/office/drawing/2014/main" xmlns="" id="{E14F7621-66C5-47D6-A8C7-2B6C3CD2205A}"/>
               </a:ext>
             </a:extLst>
           </p:cNvPr>
@@ -3852,7 +4098,7 @@
     </p:spTree>
     <p:extLst>
       <p:ext uri="{BB962C8B-B14F-4D97-AF65-F5344CB8AC3E}">
-        <p14:creationId xmlns:p14="http://schemas.microsoft.com/office/powerpoint/2010/main" val="2547664928"/>
+        <p14:creationId xmlns:p14="http://schemas.microsoft.com/office/powerpoint/2010/main" xmlns="" val="2547664928"/>
       </p:ext>
     </p:extLst>
   </p:cSld>
@@ -3940,484 +4186,6 @@
 </p:sld>
 </file>
 
-<file path=ppt/slides/slide2.xml><?xml version="1.0" encoding="utf-8"?>
-<p:sld xmlns:a="http://schemas.openxmlformats.org/drawingml/2006/main" xmlns:r="http://schemas.openxmlformats.org/officeDocument/2006/relationships" xmlns:p="http://schemas.openxmlformats.org/presentationml/2006/main">
-  <p:cSld>
-    <p:spTree>
-      <p:nvGrpSpPr>
-        <p:cNvPr id="1" name=""/>
-        <p:cNvGrpSpPr/>
-        <p:nvPr/>
-      </p:nvGrpSpPr>
-      <p:grpSpPr>
-        <a:xfrm>
-          <a:off x="0" y="0"/>
-          <a:ext cx="0" cy="0"/>
-          <a:chOff x="0" y="0"/>
-          <a:chExt cx="0" cy="0"/>
-        </a:xfrm>
-      </p:grpSpPr>
-      <p:pic>
-        <p:nvPicPr>
-          <p:cNvPr id="18" name="Picture 17">
-            <a:extLst>
-              <a:ext uri="{FF2B5EF4-FFF2-40B4-BE49-F238E27FC236}">
-                <a16:creationId xmlns:a16="http://schemas.microsoft.com/office/drawing/2014/main" id="{1BC29D4B-0260-49F9-9E5E-2135514E8A88}"/>
-              </a:ext>
-            </a:extLst>
-          </p:cNvPr>
-          <p:cNvPicPr>
-            <a:picLocks noChangeAspect="1"/>
-          </p:cNvPicPr>
-          <p:nvPr/>
-        </p:nvPicPr>
-        <p:blipFill>
-          <a:blip r:embed="rId2" cstate="print">
-            <a:extLst>
-              <a:ext uri="{28A0092B-C50C-407E-A947-70E740481C1C}">
-                <a14:useLocalDpi xmlns:a14="http://schemas.microsoft.com/office/drawing/2010/main" val="0"/>
-              </a:ext>
-            </a:extLst>
-          </a:blip>
-          <a:stretch>
-            <a:fillRect/>
-          </a:stretch>
-        </p:blipFill>
-        <p:spPr>
-          <a:xfrm>
-            <a:off x="118542" y="116632"/>
-            <a:ext cx="1371859" cy="445150"/>
-          </a:xfrm>
-          <a:prstGeom prst="rect">
-            <a:avLst/>
-          </a:prstGeom>
-        </p:spPr>
-      </p:pic>
-      <p:sp>
-        <p:nvSpPr>
-          <p:cNvPr id="19" name="Footer Placeholder 2">
-            <a:extLst>
-              <a:ext uri="{FF2B5EF4-FFF2-40B4-BE49-F238E27FC236}">
-                <a16:creationId xmlns:a16="http://schemas.microsoft.com/office/drawing/2014/main" id="{379BDE68-4144-4701-89F7-BDDAFF7975E1}"/>
-              </a:ext>
-            </a:extLst>
-          </p:cNvPr>
-          <p:cNvSpPr txBox="1">
-            <a:spLocks/>
-          </p:cNvSpPr>
-          <p:nvPr/>
-        </p:nvSpPr>
-        <p:spPr>
-          <a:xfrm>
-            <a:off x="3237431" y="6523037"/>
-            <a:ext cx="5400600" cy="365125"/>
-          </a:xfrm>
-          <a:prstGeom prst="rect">
-            <a:avLst/>
-          </a:prstGeom>
-        </p:spPr>
-        <p:txBody>
-          <a:bodyPr/>
-          <a:lstStyle>
-            <a:defPPr>
-              <a:defRPr lang="en-US"/>
-            </a:defPPr>
-            <a:lvl1pPr marL="0" algn="l" defTabSz="914400" rtl="0" eaLnBrk="1" latinLnBrk="0" hangingPunct="1">
-              <a:defRPr sz="1050" kern="1200">
-                <a:solidFill>
-                  <a:schemeClr val="tx1"/>
-                </a:solidFill>
-                <a:latin typeface="+mn-lt"/>
-                <a:ea typeface="+mn-ea"/>
-                <a:cs typeface="+mn-cs"/>
-              </a:defRPr>
-            </a:lvl1pPr>
-            <a:lvl2pPr marL="457200" algn="l" defTabSz="914400" rtl="0" eaLnBrk="1" latinLnBrk="0" hangingPunct="1">
-              <a:defRPr sz="1800" kern="1200">
-                <a:solidFill>
-                  <a:schemeClr val="tx1"/>
-                </a:solidFill>
-                <a:latin typeface="+mn-lt"/>
-                <a:ea typeface="+mn-ea"/>
-                <a:cs typeface="+mn-cs"/>
-              </a:defRPr>
-            </a:lvl2pPr>
-            <a:lvl3pPr marL="914400" algn="l" defTabSz="914400" rtl="0" eaLnBrk="1" latinLnBrk="0" hangingPunct="1">
-              <a:defRPr sz="1800" kern="1200">
-                <a:solidFill>
-                  <a:schemeClr val="tx1"/>
-                </a:solidFill>
-                <a:latin typeface="+mn-lt"/>
-                <a:ea typeface="+mn-ea"/>
-                <a:cs typeface="+mn-cs"/>
-              </a:defRPr>
-            </a:lvl3pPr>
-            <a:lvl4pPr marL="1371600" algn="l" defTabSz="914400" rtl="0" eaLnBrk="1" latinLnBrk="0" hangingPunct="1">
-              <a:defRPr sz="1800" kern="1200">
-                <a:solidFill>
-                  <a:schemeClr val="tx1"/>
-                </a:solidFill>
-                <a:latin typeface="+mn-lt"/>
-                <a:ea typeface="+mn-ea"/>
-                <a:cs typeface="+mn-cs"/>
-              </a:defRPr>
-            </a:lvl4pPr>
-            <a:lvl5pPr marL="1828800" algn="l" defTabSz="914400" rtl="0" eaLnBrk="1" latinLnBrk="0" hangingPunct="1">
-              <a:defRPr sz="1800" kern="1200">
-                <a:solidFill>
-                  <a:schemeClr val="tx1"/>
-                </a:solidFill>
-                <a:latin typeface="+mn-lt"/>
-                <a:ea typeface="+mn-ea"/>
-                <a:cs typeface="+mn-cs"/>
-              </a:defRPr>
-            </a:lvl5pPr>
-            <a:lvl6pPr marL="2286000" algn="l" defTabSz="914400" rtl="0" eaLnBrk="1" latinLnBrk="0" hangingPunct="1">
-              <a:defRPr sz="1800" kern="1200">
-                <a:solidFill>
-                  <a:schemeClr val="tx1"/>
-                </a:solidFill>
-                <a:latin typeface="+mn-lt"/>
-                <a:ea typeface="+mn-ea"/>
-                <a:cs typeface="+mn-cs"/>
-              </a:defRPr>
-            </a:lvl6pPr>
-            <a:lvl7pPr marL="2743200" algn="l" defTabSz="914400" rtl="0" eaLnBrk="1" latinLnBrk="0" hangingPunct="1">
-              <a:defRPr sz="1800" kern="1200">
-                <a:solidFill>
-                  <a:schemeClr val="tx1"/>
-                </a:solidFill>
-                <a:latin typeface="+mn-lt"/>
-                <a:ea typeface="+mn-ea"/>
-                <a:cs typeface="+mn-cs"/>
-              </a:defRPr>
-            </a:lvl7pPr>
-            <a:lvl8pPr marL="3200400" algn="l" defTabSz="914400" rtl="0" eaLnBrk="1" latinLnBrk="0" hangingPunct="1">
-              <a:defRPr sz="1800" kern="1200">
-                <a:solidFill>
-                  <a:schemeClr val="tx1"/>
-                </a:solidFill>
-                <a:latin typeface="+mn-lt"/>
-                <a:ea typeface="+mn-ea"/>
-                <a:cs typeface="+mn-cs"/>
-              </a:defRPr>
-            </a:lvl8pPr>
-            <a:lvl9pPr marL="3657600" algn="l" defTabSz="914400" rtl="0" eaLnBrk="1" latinLnBrk="0" hangingPunct="1">
-              <a:defRPr sz="1800" kern="1200">
-                <a:solidFill>
-                  <a:schemeClr val="tx1"/>
-                </a:solidFill>
-                <a:latin typeface="+mn-lt"/>
-                <a:ea typeface="+mn-ea"/>
-                <a:cs typeface="+mn-cs"/>
-              </a:defRPr>
-            </a:lvl9pPr>
-          </a:lstStyle>
-          <a:p>
-            <a:r>
-              <a:rPr lang="en-US" dirty="0"/>
-              <a:t>Infoway Technologies, 3rd  Floor Commerce Centre, Rambaug Colony, Paud Road Pune 411038</a:t>
-            </a:r>
-            <a:endParaRPr lang="en-IN" dirty="0"/>
-          </a:p>
-          <a:p>
-            <a:endParaRPr lang="en-US" dirty="0"/>
-          </a:p>
-        </p:txBody>
-      </p:sp>
-      <p:sp>
-        <p:nvSpPr>
-          <p:cNvPr id="21" name="Rectangle 20">
-            <a:extLst>
-              <a:ext uri="{FF2B5EF4-FFF2-40B4-BE49-F238E27FC236}">
-                <a16:creationId xmlns:a16="http://schemas.microsoft.com/office/drawing/2014/main" id="{09A4DD51-F450-4FA7-BA18-C2A26D10D72C}"/>
-              </a:ext>
-            </a:extLst>
-          </p:cNvPr>
-          <p:cNvSpPr/>
-          <p:nvPr/>
-        </p:nvSpPr>
-        <p:spPr>
-          <a:xfrm>
-            <a:off x="1523802" y="2"/>
-            <a:ext cx="9142810" cy="837473"/>
-          </a:xfrm>
-          <a:prstGeom prst="rect">
-            <a:avLst/>
-          </a:prstGeom>
-          <a:solidFill>
-            <a:schemeClr val="bg1"/>
-          </a:solidFill>
-        </p:spPr>
-        <p:txBody>
-          <a:bodyPr wrap="square">
-            <a:spAutoFit/>
-          </a:bodyPr>
-          <a:lstStyle/>
-          <a:p>
-            <a:pPr algn="r" fontAlgn="base">
-              <a:lnSpc>
-                <a:spcPct val="150000"/>
-              </a:lnSpc>
-            </a:pPr>
-            <a:r>
-              <a:rPr lang="en-US" sz="3600" dirty="0" smtClean="0"/>
-              <a:t>CREATE</a:t>
-            </a:r>
-            <a:endParaRPr lang="en-US" sz="3600" dirty="0"/>
-          </a:p>
-        </p:txBody>
-      </p:sp>
-      <p:sp>
-        <p:nvSpPr>
-          <p:cNvPr id="8" name="Rectangle 7"/>
-          <p:cNvSpPr/>
-          <p:nvPr/>
-        </p:nvSpPr>
-        <p:spPr>
-          <a:xfrm>
-            <a:off x="478582" y="836712"/>
-            <a:ext cx="7142725" cy="369332"/>
-          </a:xfrm>
-          <a:prstGeom prst="rect">
-            <a:avLst/>
-          </a:prstGeom>
-        </p:spPr>
-        <p:txBody>
-          <a:bodyPr wrap="none">
-            <a:spAutoFit/>
-          </a:bodyPr>
-          <a:lstStyle/>
-          <a:p>
-            <a:r>
-              <a:rPr lang="en-US" b="1" dirty="0" smtClean="0">
-                <a:latin typeface="Palatino Linotype" pitchFamily="18" charset="0"/>
-              </a:rPr>
-              <a:t>CREATE</a:t>
-            </a:r>
-            <a:r>
-              <a:rPr lang="en-US" dirty="0" smtClean="0">
-                <a:latin typeface="Palatino Linotype" pitchFamily="18" charset="0"/>
-              </a:rPr>
-              <a:t> TABLE statement is used to specify the layout of your table</a:t>
-            </a:r>
-            <a:endParaRPr lang="en-US" dirty="0">
-              <a:latin typeface="Palatino Linotype" pitchFamily="18" charset="0"/>
-            </a:endParaRPr>
-          </a:p>
-        </p:txBody>
-      </p:sp>
-      <p:sp>
-        <p:nvSpPr>
-          <p:cNvPr id="9" name="Rectangle 8"/>
-          <p:cNvSpPr/>
-          <p:nvPr/>
-        </p:nvSpPr>
-        <p:spPr>
-          <a:xfrm>
-            <a:off x="550590" y="1386642"/>
-            <a:ext cx="7200800" cy="1477328"/>
-          </a:xfrm>
-          <a:prstGeom prst="rect">
-            <a:avLst/>
-          </a:prstGeom>
-        </p:spPr>
-        <p:txBody>
-          <a:bodyPr wrap="square">
-            <a:spAutoFit/>
-          </a:bodyPr>
-          <a:lstStyle/>
-          <a:p>
-            <a:r>
-              <a:rPr lang="en-US" dirty="0" smtClean="0">
-                <a:latin typeface="Palatino Linotype" pitchFamily="18" charset="0"/>
-              </a:rPr>
-              <a:t>The table creation command requires the following details.</a:t>
-            </a:r>
-          </a:p>
-          <a:p>
-            <a:endParaRPr lang="en-US" dirty="0" smtClean="0">
-              <a:latin typeface="Palatino Linotype" pitchFamily="18" charset="0"/>
-            </a:endParaRPr>
-          </a:p>
-          <a:p>
-            <a:pPr marL="342900" indent="-342900">
-              <a:buFont typeface="Arial" pitchFamily="34" charset="0"/>
-              <a:buChar char="•"/>
-            </a:pPr>
-            <a:r>
-              <a:rPr lang="en-US" dirty="0" smtClean="0">
-                <a:latin typeface="Palatino Linotype" pitchFamily="18" charset="0"/>
-              </a:rPr>
-              <a:t>Name of the table</a:t>
-            </a:r>
-          </a:p>
-          <a:p>
-            <a:pPr marL="342900" indent="-342900">
-              <a:buFont typeface="Arial" pitchFamily="34" charset="0"/>
-              <a:buChar char="•"/>
-            </a:pPr>
-            <a:r>
-              <a:rPr lang="en-US" dirty="0" smtClean="0">
-                <a:latin typeface="Palatino Linotype" pitchFamily="18" charset="0"/>
-              </a:rPr>
-              <a:t>Name of the fields</a:t>
-            </a:r>
-          </a:p>
-          <a:p>
-            <a:pPr marL="342900" indent="-342900">
-              <a:buFont typeface="Arial" pitchFamily="34" charset="0"/>
-              <a:buChar char="•"/>
-            </a:pPr>
-            <a:r>
-              <a:rPr lang="en-US" dirty="0" smtClean="0">
-                <a:latin typeface="Palatino Linotype" pitchFamily="18" charset="0"/>
-              </a:rPr>
-              <a:t>Definitions for each field</a:t>
-            </a:r>
-            <a:endParaRPr lang="en-US" dirty="0">
-              <a:latin typeface="Palatino Linotype" pitchFamily="18" charset="0"/>
-            </a:endParaRPr>
-          </a:p>
-        </p:txBody>
-      </p:sp>
-      <p:sp>
-        <p:nvSpPr>
-          <p:cNvPr id="10" name="Rectangle 9"/>
-          <p:cNvSpPr/>
-          <p:nvPr/>
-        </p:nvSpPr>
-        <p:spPr>
-          <a:xfrm>
-            <a:off x="622598" y="3068960"/>
-            <a:ext cx="4272645" cy="369332"/>
-          </a:xfrm>
-          <a:prstGeom prst="rect">
-            <a:avLst/>
-          </a:prstGeom>
-        </p:spPr>
-        <p:txBody>
-          <a:bodyPr wrap="none">
-            <a:spAutoFit/>
-          </a:bodyPr>
-          <a:lstStyle/>
-          <a:p>
-            <a:r>
-              <a:rPr lang="en-US" dirty="0" smtClean="0"/>
-              <a:t>syntax to create a MySQL table is as follows</a:t>
-            </a:r>
-            <a:endParaRPr lang="en-US" dirty="0"/>
-          </a:p>
-        </p:txBody>
-      </p:sp>
-      <p:sp>
-        <p:nvSpPr>
-          <p:cNvPr id="12" name="Rectangle 11"/>
-          <p:cNvSpPr/>
-          <p:nvPr/>
-        </p:nvSpPr>
-        <p:spPr>
-          <a:xfrm>
-            <a:off x="622598" y="3717032"/>
-            <a:ext cx="5560818" cy="369332"/>
-          </a:xfrm>
-          <a:prstGeom prst="rect">
-            <a:avLst/>
-          </a:prstGeom>
-        </p:spPr>
-        <p:txBody>
-          <a:bodyPr wrap="none">
-            <a:spAutoFit/>
-          </a:bodyPr>
-          <a:lstStyle/>
-          <a:p>
-            <a:r>
-              <a:rPr lang="en-US" dirty="0" smtClean="0"/>
-              <a:t>CREATE TABLE table_name (column_name column_type);</a:t>
-            </a:r>
-            <a:endParaRPr lang="en-US" dirty="0"/>
-          </a:p>
-        </p:txBody>
-      </p:sp>
-      <p:sp>
-        <p:nvSpPr>
-          <p:cNvPr id="13" name="Rectangle 12"/>
-          <p:cNvSpPr/>
-          <p:nvPr/>
-        </p:nvSpPr>
-        <p:spPr>
-          <a:xfrm>
-            <a:off x="622598" y="4293096"/>
-            <a:ext cx="6092825" cy="1754326"/>
-          </a:xfrm>
-          <a:prstGeom prst="rect">
-            <a:avLst/>
-          </a:prstGeom>
-        </p:spPr>
-        <p:txBody>
-          <a:bodyPr>
-            <a:spAutoFit/>
-          </a:bodyPr>
-          <a:lstStyle/>
-          <a:p>
-            <a:r>
-              <a:rPr lang="en-US" dirty="0" smtClean="0"/>
-              <a:t>CREATE TABLE student (  </a:t>
-            </a:r>
-          </a:p>
-          <a:p>
-            <a:r>
-              <a:rPr lang="en-US" dirty="0" smtClean="0"/>
-              <a:t>   ID INT(11) PRIMARY KEY,</a:t>
-            </a:r>
-          </a:p>
-          <a:p>
-            <a:r>
-              <a:rPr lang="en-US" dirty="0" smtClean="0"/>
-              <a:t>   firstName VARCHAR(45), </a:t>
-            </a:r>
-          </a:p>
-          <a:p>
-            <a:r>
-              <a:rPr lang="en-US" dirty="0" smtClean="0"/>
-              <a:t>   lastName VARCHAR(45),</a:t>
-            </a:r>
-          </a:p>
-          <a:p>
-            <a:r>
-              <a:rPr lang="en-US" dirty="0" smtClean="0"/>
-              <a:t>   DoB DATE</a:t>
-            </a:r>
-          </a:p>
-          <a:p>
-            <a:r>
-              <a:rPr lang="en-US" dirty="0" smtClean="0"/>
-              <a:t>);</a:t>
-            </a:r>
-            <a:endParaRPr lang="en-US" dirty="0"/>
-          </a:p>
-        </p:txBody>
-      </p:sp>
-    </p:spTree>
-    <p:extLst>
-      <p:ext uri="{BB962C8B-B14F-4D97-AF65-F5344CB8AC3E}">
-        <p14:creationId xmlns:p14="http://schemas.microsoft.com/office/powerpoint/2010/main" val="3166758523"/>
-      </p:ext>
-    </p:extLst>
-  </p:cSld>
-  <p:clrMapOvr>
-    <a:masterClrMapping/>
-  </p:clrMapOvr>
-  <p:timing>
-    <p:tnLst>
-      <p:par>
-        <p:cTn id="1" dur="indefinite" restart="never" nodeType="tmRoot"/>
-      </p:par>
-    </p:tnLst>
-  </p:timing>
-</p:sld>
-</file>
-
 <file path=ppt/slides/slide3.xml><?xml version="1.0" encoding="utf-8"?>
 <p:sld xmlns:a="http://schemas.openxmlformats.org/drawingml/2006/main" xmlns:r="http://schemas.openxmlformats.org/officeDocument/2006/relationships" xmlns:p="http://schemas.openxmlformats.org/presentationml/2006/main">
   <p:cSld>
@@ -4440,7 +4208,7 @@
           <p:cNvPr id="18" name="Picture 17">
             <a:extLst>
               <a:ext uri="{FF2B5EF4-FFF2-40B4-BE49-F238E27FC236}">
-                <a16:creationId xmlns:a16="http://schemas.microsoft.com/office/drawing/2014/main" id="{1BC29D4B-0260-49F9-9E5E-2135514E8A88}"/>
+                <a16:creationId xmlns:a16="http://schemas.microsoft.com/office/drawing/2014/main" xmlns="" id="{1BC29D4B-0260-49F9-9E5E-2135514E8A88}"/>
               </a:ext>
             </a:extLst>
           </p:cNvPr>
@@ -4453,7 +4221,7 @@
           <a:blip r:embed="rId2" cstate="print">
             <a:extLst>
               <a:ext uri="{28A0092B-C50C-407E-A947-70E740481C1C}">
-                <a14:useLocalDpi xmlns:a14="http://schemas.microsoft.com/office/drawing/2010/main" val="0"/>
+                <a14:useLocalDpi xmlns:a14="http://schemas.microsoft.com/office/drawing/2010/main" xmlns="" val="0"/>
               </a:ext>
             </a:extLst>
           </a:blip>
@@ -4476,7 +4244,7 @@
           <p:cNvPr id="19" name="Footer Placeholder 2">
             <a:extLst>
               <a:ext uri="{FF2B5EF4-FFF2-40B4-BE49-F238E27FC236}">
-                <a16:creationId xmlns:a16="http://schemas.microsoft.com/office/drawing/2014/main" id="{379BDE68-4144-4701-89F7-BDDAFF7975E1}"/>
+                <a16:creationId xmlns:a16="http://schemas.microsoft.com/office/drawing/2014/main" xmlns="" id="{379BDE68-4144-4701-89F7-BDDAFF7975E1}"/>
               </a:ext>
             </a:extLst>
           </p:cNvPr>
@@ -4608,7 +4376,7 @@
           <p:cNvPr id="21" name="Rectangle 20">
             <a:extLst>
               <a:ext uri="{FF2B5EF4-FFF2-40B4-BE49-F238E27FC236}">
-                <a16:creationId xmlns:a16="http://schemas.microsoft.com/office/drawing/2014/main" id="{09A4DD51-F450-4FA7-BA18-C2A26D10D72C}"/>
+                <a16:creationId xmlns:a16="http://schemas.microsoft.com/office/drawing/2014/main" xmlns="" id="{09A4DD51-F450-4FA7-BA18-C2A26D10D72C}"/>
               </a:ext>
             </a:extLst>
           </p:cNvPr>
@@ -4640,7 +4408,7 @@
             </a:pPr>
             <a:r>
               <a:rPr lang="en-US" sz="3600" dirty="0" smtClean="0"/>
-              <a:t>ALTER</a:t>
+              <a:t>CREATE</a:t>
             </a:r>
             <a:endParaRPr lang="en-US" sz="3600" dirty="0"/>
           </a:p>
@@ -4648,14 +4416,53 @@
       </p:sp>
       <p:sp>
         <p:nvSpPr>
-          <p:cNvPr id="6" name="Rectangle 5"/>
+          <p:cNvPr id="8" name="Rectangle 7"/>
           <p:cNvSpPr/>
           <p:nvPr/>
         </p:nvSpPr>
         <p:spPr>
           <a:xfrm>
-            <a:off x="550590" y="1052736"/>
-            <a:ext cx="11089232" cy="646331"/>
+            <a:off x="478582" y="836712"/>
+            <a:ext cx="7142725" cy="369332"/>
+          </a:xfrm>
+          <a:prstGeom prst="rect">
+            <a:avLst/>
+          </a:prstGeom>
+        </p:spPr>
+        <p:txBody>
+          <a:bodyPr wrap="none">
+            <a:spAutoFit/>
+          </a:bodyPr>
+          <a:lstStyle/>
+          <a:p>
+            <a:r>
+              <a:rPr lang="en-US" b="1" dirty="0" smtClean="0">
+                <a:latin typeface="Palatino Linotype" pitchFamily="18" charset="0"/>
+              </a:rPr>
+              <a:t>CREATE</a:t>
+            </a:r>
+            <a:r>
+              <a:rPr lang="en-US" dirty="0" smtClean="0">
+                <a:latin typeface="Palatino Linotype" pitchFamily="18" charset="0"/>
+              </a:rPr>
+              <a:t> TABLE statement is used to specify the layout of your table</a:t>
+            </a:r>
+            <a:endParaRPr lang="en-US" dirty="0">
+              <a:latin typeface="Palatino Linotype" pitchFamily="18" charset="0"/>
+            </a:endParaRPr>
+          </a:p>
+        </p:txBody>
+      </p:sp>
+      <p:sp>
+        <p:nvSpPr>
+          <p:cNvPr id="9" name="Rectangle 8"/>
+          <p:cNvSpPr/>
+          <p:nvPr/>
+        </p:nvSpPr>
+        <p:spPr>
+          <a:xfrm>
+            <a:off x="550590" y="1386642"/>
+            <a:ext cx="7200800" cy="1477328"/>
           </a:xfrm>
           <a:prstGeom prst="rect">
             <a:avLst/>
@@ -4668,16 +4475,51 @@
           <a:lstStyle/>
           <a:p>
             <a:r>
-              <a:rPr lang="en-US" b="1" dirty="0" smtClean="0">
-                <a:latin typeface="Palatino Linotype" pitchFamily="18" charset="0"/>
-              </a:rPr>
-              <a:t>ALTER</a:t>
-            </a:r>
-            <a:r>
               <a:rPr lang="en-US" dirty="0" smtClean="0">
                 <a:latin typeface="Palatino Linotype" pitchFamily="18" charset="0"/>
               </a:rPr>
-              <a:t> command is very useful when you want to change a name of any table field or if you want to add or delete an existing column in a table.</a:t>
+              <a:t>The table creation command requires the following details.</a:t>
+            </a:r>
+          </a:p>
+          <a:p>
+            <a:endParaRPr lang="en-US" dirty="0" smtClean="0">
+              <a:latin typeface="Palatino Linotype" pitchFamily="18" charset="0"/>
+            </a:endParaRPr>
+          </a:p>
+          <a:p>
+            <a:pPr marL="342900" indent="-342900">
+              <a:buFont typeface="Arial" pitchFamily="34" charset="0"/>
+              <a:buChar char="•"/>
+            </a:pPr>
+            <a:r>
+              <a:rPr lang="en-US" dirty="0" smtClean="0">
+                <a:latin typeface="Palatino Linotype" pitchFamily="18" charset="0"/>
+              </a:rPr>
+              <a:t>Name of the table</a:t>
+            </a:r>
+          </a:p>
+          <a:p>
+            <a:pPr marL="342900" indent="-342900">
+              <a:buFont typeface="Arial" pitchFamily="34" charset="0"/>
+              <a:buChar char="•"/>
+            </a:pPr>
+            <a:r>
+              <a:rPr lang="en-US" dirty="0" smtClean="0">
+                <a:latin typeface="Palatino Linotype" pitchFamily="18" charset="0"/>
+              </a:rPr>
+              <a:t>Name of the fields</a:t>
+            </a:r>
+          </a:p>
+          <a:p>
+            <a:pPr marL="342900" indent="-342900">
+              <a:buFont typeface="Arial" pitchFamily="34" charset="0"/>
+              <a:buChar char="•"/>
+            </a:pPr>
+            <a:r>
+              <a:rPr lang="en-US" dirty="0" smtClean="0">
+                <a:latin typeface="Palatino Linotype" pitchFamily="18" charset="0"/>
+              </a:rPr>
+              <a:t>Definitions for each field</a:t>
             </a:r>
             <a:endParaRPr lang="en-US" dirty="0">
               <a:latin typeface="Palatino Linotype" pitchFamily="18" charset="0"/>
@@ -4687,14 +4529,72 @@
       </p:sp>
       <p:sp>
         <p:nvSpPr>
-          <p:cNvPr id="7" name="Rectangle 6"/>
+          <p:cNvPr id="10" name="Rectangle 9"/>
           <p:cNvSpPr/>
           <p:nvPr/>
         </p:nvSpPr>
         <p:spPr>
           <a:xfrm>
-            <a:off x="550590" y="2132856"/>
-            <a:ext cx="6092825" cy="1295868"/>
+            <a:off x="622598" y="3068960"/>
+            <a:ext cx="4272645" cy="369332"/>
+          </a:xfrm>
+          <a:prstGeom prst="rect">
+            <a:avLst/>
+          </a:prstGeom>
+        </p:spPr>
+        <p:txBody>
+          <a:bodyPr wrap="none">
+            <a:spAutoFit/>
+          </a:bodyPr>
+          <a:lstStyle/>
+          <a:p>
+            <a:r>
+              <a:rPr lang="en-US" dirty="0" smtClean="0"/>
+              <a:t>syntax to create a MySQL table is as follows</a:t>
+            </a:r>
+            <a:endParaRPr lang="en-US" dirty="0"/>
+          </a:p>
+        </p:txBody>
+      </p:sp>
+      <p:sp>
+        <p:nvSpPr>
+          <p:cNvPr id="12" name="Rectangle 11"/>
+          <p:cNvSpPr/>
+          <p:nvPr/>
+        </p:nvSpPr>
+        <p:spPr>
+          <a:xfrm>
+            <a:off x="622598" y="3717032"/>
+            <a:ext cx="5560818" cy="369332"/>
+          </a:xfrm>
+          <a:prstGeom prst="rect">
+            <a:avLst/>
+          </a:prstGeom>
+        </p:spPr>
+        <p:txBody>
+          <a:bodyPr wrap="none">
+            <a:spAutoFit/>
+          </a:bodyPr>
+          <a:lstStyle/>
+          <a:p>
+            <a:r>
+              <a:rPr lang="en-US" dirty="0" smtClean="0"/>
+              <a:t>CREATE TABLE table_name (column_name column_type);</a:t>
+            </a:r>
+            <a:endParaRPr lang="en-US" dirty="0"/>
+          </a:p>
+        </p:txBody>
+      </p:sp>
+      <p:sp>
+        <p:nvSpPr>
+          <p:cNvPr id="13" name="Rectangle 12"/>
+          <p:cNvSpPr/>
+          <p:nvPr/>
+        </p:nvSpPr>
+        <p:spPr>
+          <a:xfrm>
+            <a:off x="622598" y="4293096"/>
+            <a:ext cx="6092825" cy="1754326"/>
           </a:xfrm>
           <a:prstGeom prst="rect">
             <a:avLst/>
@@ -4706,42 +4606,39 @@
           </a:bodyPr>
           <a:lstStyle/>
           <a:p>
-            <a:pPr marL="342900" indent="-342900">
-              <a:lnSpc>
-                <a:spcPct val="150000"/>
-              </a:lnSpc>
-              <a:buFont typeface="Arial" pitchFamily="34" charset="0"/>
-              <a:buChar char="•"/>
-            </a:pPr>
             <a:r>
               <a:rPr lang="en-US" dirty="0" smtClean="0"/>
-              <a:t>ALTER TABLE student ADD COLUMN emailID VARCHAR(128);</a:t>
-            </a:r>
-          </a:p>
-          <a:p>
-            <a:pPr marL="342900" indent="-342900">
-              <a:lnSpc>
-                <a:spcPct val="150000"/>
-              </a:lnSpc>
-              <a:buFont typeface="Arial" pitchFamily="34" charset="0"/>
-              <a:buChar char="•"/>
-            </a:pPr>
+              <a:t>CREATE TABLE student (  </a:t>
+            </a:r>
+          </a:p>
+          <a:p>
             <a:r>
               <a:rPr lang="en-US" dirty="0" smtClean="0"/>
-              <a:t>ALTER TABLE student CHANGE ID studentID INT;</a:t>
-            </a:r>
-          </a:p>
-          <a:p>
-            <a:pPr marL="342900" indent="-342900">
-              <a:lnSpc>
-                <a:spcPct val="150000"/>
-              </a:lnSpc>
-              <a:buFont typeface="Arial" pitchFamily="34" charset="0"/>
-              <a:buChar char="•"/>
-            </a:pPr>
+              <a:t>   ID INT(11) PRIMARY KEY,</a:t>
+            </a:r>
+          </a:p>
+          <a:p>
             <a:r>
               <a:rPr lang="en-US" dirty="0" smtClean="0"/>
-              <a:t>ALTER TABLE student DROP COLUMN emailID;</a:t>
+              <a:t>   firstName VARCHAR(45), </a:t>
+            </a:r>
+          </a:p>
+          <a:p>
+            <a:r>
+              <a:rPr lang="en-US" dirty="0" smtClean="0"/>
+              <a:t>   lastName VARCHAR(45),</a:t>
+            </a:r>
+          </a:p>
+          <a:p>
+            <a:r>
+              <a:rPr lang="en-US" dirty="0" smtClean="0"/>
+              <a:t>   DoB DATE</a:t>
+            </a:r>
+          </a:p>
+          <a:p>
+            <a:r>
+              <a:rPr lang="en-US" dirty="0" smtClean="0"/>
+              <a:t>);</a:t>
             </a:r>
             <a:endParaRPr lang="en-US" dirty="0"/>
           </a:p>
@@ -4750,7 +4647,7 @@
     </p:spTree>
     <p:extLst>
       <p:ext uri="{BB962C8B-B14F-4D97-AF65-F5344CB8AC3E}">
-        <p14:creationId xmlns:p14="http://schemas.microsoft.com/office/powerpoint/2010/main" val="3166758523"/>
+        <p14:creationId xmlns:p14="http://schemas.microsoft.com/office/powerpoint/2010/main" xmlns="" val="3166758523"/>
       </p:ext>
     </p:extLst>
   </p:cSld>
@@ -4789,7 +4686,7 @@
           <p:cNvPr id="18" name="Picture 17">
             <a:extLst>
               <a:ext uri="{FF2B5EF4-FFF2-40B4-BE49-F238E27FC236}">
-                <a16:creationId xmlns:a16="http://schemas.microsoft.com/office/drawing/2014/main" id="{1BC29D4B-0260-49F9-9E5E-2135514E8A88}"/>
+                <a16:creationId xmlns:a16="http://schemas.microsoft.com/office/drawing/2014/main" xmlns="" id="{1BC29D4B-0260-49F9-9E5E-2135514E8A88}"/>
               </a:ext>
             </a:extLst>
           </p:cNvPr>
@@ -4802,7 +4699,7 @@
           <a:blip r:embed="rId2" cstate="print">
             <a:extLst>
               <a:ext uri="{28A0092B-C50C-407E-A947-70E740481C1C}">
-                <a14:useLocalDpi xmlns:a14="http://schemas.microsoft.com/office/drawing/2010/main" val="0"/>
+                <a14:useLocalDpi xmlns:a14="http://schemas.microsoft.com/office/drawing/2010/main" xmlns="" val="0"/>
               </a:ext>
             </a:extLst>
           </a:blip>
@@ -4825,7 +4722,7 @@
           <p:cNvPr id="19" name="Footer Placeholder 2">
             <a:extLst>
               <a:ext uri="{FF2B5EF4-FFF2-40B4-BE49-F238E27FC236}">
-                <a16:creationId xmlns:a16="http://schemas.microsoft.com/office/drawing/2014/main" id="{379BDE68-4144-4701-89F7-BDDAFF7975E1}"/>
+                <a16:creationId xmlns:a16="http://schemas.microsoft.com/office/drawing/2014/main" xmlns="" id="{379BDE68-4144-4701-89F7-BDDAFF7975E1}"/>
               </a:ext>
             </a:extLst>
           </p:cNvPr>
@@ -4957,7 +4854,7 @@
           <p:cNvPr id="21" name="Rectangle 20">
             <a:extLst>
               <a:ext uri="{FF2B5EF4-FFF2-40B4-BE49-F238E27FC236}">
-                <a16:creationId xmlns:a16="http://schemas.microsoft.com/office/drawing/2014/main" id="{09A4DD51-F450-4FA7-BA18-C2A26D10D72C}"/>
+                <a16:creationId xmlns:a16="http://schemas.microsoft.com/office/drawing/2014/main" xmlns="" id="{09A4DD51-F450-4FA7-BA18-C2A26D10D72C}"/>
               </a:ext>
             </a:extLst>
           </p:cNvPr>
@@ -4989,7 +4886,7 @@
             </a:pPr>
             <a:r>
               <a:rPr lang="en-US" sz="3600" dirty="0" smtClean="0"/>
-              <a:t>DROP</a:t>
+              <a:t>ALTER</a:t>
             </a:r>
             <a:endParaRPr lang="en-US" sz="3600" dirty="0"/>
           </a:p>
@@ -4997,14 +4894,14 @@
       </p:sp>
       <p:sp>
         <p:nvSpPr>
-          <p:cNvPr id="5" name="Rectangle 4"/>
+          <p:cNvPr id="6" name="Rectangle 5"/>
           <p:cNvSpPr/>
           <p:nvPr/>
         </p:nvSpPr>
         <p:spPr>
           <a:xfrm>
-            <a:off x="478582" y="1196752"/>
-            <a:ext cx="11377264" cy="646331"/>
+            <a:off x="550590" y="1052736"/>
+            <a:ext cx="11089232" cy="646331"/>
           </a:xfrm>
           <a:prstGeom prst="rect">
             <a:avLst/>
@@ -5017,20 +4914,16 @@
           <a:lstStyle/>
           <a:p>
             <a:r>
-              <a:rPr lang="en-US" b="1" dirty="0">
+              <a:rPr lang="en-US" b="1" dirty="0" smtClean="0">
                 <a:latin typeface="Palatino Linotype" pitchFamily="18" charset="0"/>
               </a:rPr>
-              <a:t>DROP</a:t>
-            </a:r>
-            <a:r>
-              <a:rPr lang="en-US" dirty="0"/>
-              <a:t> command, </a:t>
+              <a:t>ALTER</a:t>
             </a:r>
             <a:r>
               <a:rPr lang="en-US" dirty="0" smtClean="0">
                 <a:latin typeface="Palatino Linotype" pitchFamily="18" charset="0"/>
               </a:rPr>
-              <a:t>It is very easy to drop an existing MySQL table, but you need to be very careful while deleting any existing table because the data lost will not be recovered after deleting a table.</a:t>
+              <a:t> command is very useful when you want to change a name of any table field or if you want to add or delete an existing column in a table.</a:t>
             </a:r>
             <a:endParaRPr lang="en-US" dirty="0">
               <a:latin typeface="Palatino Linotype" pitchFamily="18" charset="0"/>
@@ -5040,14 +4933,14 @@
       </p:sp>
       <p:sp>
         <p:nvSpPr>
-          <p:cNvPr id="6" name="Rectangle 5"/>
+          <p:cNvPr id="7" name="Rectangle 6"/>
           <p:cNvSpPr/>
           <p:nvPr/>
         </p:nvSpPr>
         <p:spPr>
           <a:xfrm>
             <a:off x="550590" y="2132856"/>
-            <a:ext cx="6092825" cy="464871"/>
+            <a:ext cx="6092825" cy="1295868"/>
           </a:xfrm>
           <a:prstGeom prst="rect">
             <a:avLst/>
@@ -5068,7 +4961,33 @@
             </a:pPr>
             <a:r>
               <a:rPr lang="en-US" dirty="0" smtClean="0"/>
-              <a:t>DROP TABLE student;</a:t>
+              <a:t>ALTER TABLE student ADD COLUMN emailID VARCHAR(128);</a:t>
+            </a:r>
+          </a:p>
+          <a:p>
+            <a:pPr marL="342900" indent="-342900">
+              <a:lnSpc>
+                <a:spcPct val="150000"/>
+              </a:lnSpc>
+              <a:buFont typeface="Arial" pitchFamily="34" charset="0"/>
+              <a:buChar char="•"/>
+            </a:pPr>
+            <a:r>
+              <a:rPr lang="en-US" dirty="0" smtClean="0"/>
+              <a:t>ALTER TABLE student CHANGE ID studentID INT;</a:t>
+            </a:r>
+          </a:p>
+          <a:p>
+            <a:pPr marL="342900" indent="-342900">
+              <a:lnSpc>
+                <a:spcPct val="150000"/>
+              </a:lnSpc>
+              <a:buFont typeface="Arial" pitchFamily="34" charset="0"/>
+              <a:buChar char="•"/>
+            </a:pPr>
+            <a:r>
+              <a:rPr lang="en-US" dirty="0" smtClean="0"/>
+              <a:t>ALTER TABLE student DROP COLUMN emailID;</a:t>
             </a:r>
             <a:endParaRPr lang="en-US" dirty="0"/>
           </a:p>
@@ -5077,7 +4996,334 @@
     </p:spTree>
     <p:extLst>
       <p:ext uri="{BB962C8B-B14F-4D97-AF65-F5344CB8AC3E}">
-        <p14:creationId xmlns:p14="http://schemas.microsoft.com/office/powerpoint/2010/main" val="3166758523"/>
+        <p14:creationId xmlns:p14="http://schemas.microsoft.com/office/powerpoint/2010/main" xmlns="" val="3166758523"/>
+      </p:ext>
+    </p:extLst>
+  </p:cSld>
+  <p:clrMapOvr>
+    <a:masterClrMapping/>
+  </p:clrMapOvr>
+  <p:timing>
+    <p:tnLst>
+      <p:par>
+        <p:cTn id="1" dur="indefinite" restart="never" nodeType="tmRoot"/>
+      </p:par>
+    </p:tnLst>
+  </p:timing>
+</p:sld>
+</file>
+
+<file path=ppt/slides/slide5.xml><?xml version="1.0" encoding="utf-8"?>
+<p:sld xmlns:a="http://schemas.openxmlformats.org/drawingml/2006/main" xmlns:r="http://schemas.openxmlformats.org/officeDocument/2006/relationships" xmlns:p="http://schemas.openxmlformats.org/presentationml/2006/main">
+  <p:cSld>
+    <p:spTree>
+      <p:nvGrpSpPr>
+        <p:cNvPr id="1" name=""/>
+        <p:cNvGrpSpPr/>
+        <p:nvPr/>
+      </p:nvGrpSpPr>
+      <p:grpSpPr>
+        <a:xfrm>
+          <a:off x="0" y="0"/>
+          <a:ext cx="0" cy="0"/>
+          <a:chOff x="0" y="0"/>
+          <a:chExt cx="0" cy="0"/>
+        </a:xfrm>
+      </p:grpSpPr>
+      <p:pic>
+        <p:nvPicPr>
+          <p:cNvPr id="18" name="Picture 17">
+            <a:extLst>
+              <a:ext uri="{FF2B5EF4-FFF2-40B4-BE49-F238E27FC236}">
+                <a16:creationId xmlns:a16="http://schemas.microsoft.com/office/drawing/2014/main" xmlns="" id="{1BC29D4B-0260-49F9-9E5E-2135514E8A88}"/>
+              </a:ext>
+            </a:extLst>
+          </p:cNvPr>
+          <p:cNvPicPr>
+            <a:picLocks noChangeAspect="1"/>
+          </p:cNvPicPr>
+          <p:nvPr/>
+        </p:nvPicPr>
+        <p:blipFill>
+          <a:blip r:embed="rId2" cstate="print">
+            <a:extLst>
+              <a:ext uri="{28A0092B-C50C-407E-A947-70E740481C1C}">
+                <a14:useLocalDpi xmlns:a14="http://schemas.microsoft.com/office/drawing/2010/main" xmlns="" val="0"/>
+              </a:ext>
+            </a:extLst>
+          </a:blip>
+          <a:stretch>
+            <a:fillRect/>
+          </a:stretch>
+        </p:blipFill>
+        <p:spPr>
+          <a:xfrm>
+            <a:off x="118542" y="116632"/>
+            <a:ext cx="1371859" cy="445150"/>
+          </a:xfrm>
+          <a:prstGeom prst="rect">
+            <a:avLst/>
+          </a:prstGeom>
+        </p:spPr>
+      </p:pic>
+      <p:sp>
+        <p:nvSpPr>
+          <p:cNvPr id="19" name="Footer Placeholder 2">
+            <a:extLst>
+              <a:ext uri="{FF2B5EF4-FFF2-40B4-BE49-F238E27FC236}">
+                <a16:creationId xmlns:a16="http://schemas.microsoft.com/office/drawing/2014/main" xmlns="" id="{379BDE68-4144-4701-89F7-BDDAFF7975E1}"/>
+              </a:ext>
+            </a:extLst>
+          </p:cNvPr>
+          <p:cNvSpPr txBox="1">
+            <a:spLocks/>
+          </p:cNvSpPr>
+          <p:nvPr/>
+        </p:nvSpPr>
+        <p:spPr>
+          <a:xfrm>
+            <a:off x="3237431" y="6523037"/>
+            <a:ext cx="5400600" cy="365125"/>
+          </a:xfrm>
+          <a:prstGeom prst="rect">
+            <a:avLst/>
+          </a:prstGeom>
+        </p:spPr>
+        <p:txBody>
+          <a:bodyPr/>
+          <a:lstStyle>
+            <a:defPPr>
+              <a:defRPr lang="en-US"/>
+            </a:defPPr>
+            <a:lvl1pPr marL="0" algn="l" defTabSz="914400" rtl="0" eaLnBrk="1" latinLnBrk="0" hangingPunct="1">
+              <a:defRPr sz="1050" kern="1200">
+                <a:solidFill>
+                  <a:schemeClr val="tx1"/>
+                </a:solidFill>
+                <a:latin typeface="+mn-lt"/>
+                <a:ea typeface="+mn-ea"/>
+                <a:cs typeface="+mn-cs"/>
+              </a:defRPr>
+            </a:lvl1pPr>
+            <a:lvl2pPr marL="457200" algn="l" defTabSz="914400" rtl="0" eaLnBrk="1" latinLnBrk="0" hangingPunct="1">
+              <a:defRPr sz="1800" kern="1200">
+                <a:solidFill>
+                  <a:schemeClr val="tx1"/>
+                </a:solidFill>
+                <a:latin typeface="+mn-lt"/>
+                <a:ea typeface="+mn-ea"/>
+                <a:cs typeface="+mn-cs"/>
+              </a:defRPr>
+            </a:lvl2pPr>
+            <a:lvl3pPr marL="914400" algn="l" defTabSz="914400" rtl="0" eaLnBrk="1" latinLnBrk="0" hangingPunct="1">
+              <a:defRPr sz="1800" kern="1200">
+                <a:solidFill>
+                  <a:schemeClr val="tx1"/>
+                </a:solidFill>
+                <a:latin typeface="+mn-lt"/>
+                <a:ea typeface="+mn-ea"/>
+                <a:cs typeface="+mn-cs"/>
+              </a:defRPr>
+            </a:lvl3pPr>
+            <a:lvl4pPr marL="1371600" algn="l" defTabSz="914400" rtl="0" eaLnBrk="1" latinLnBrk="0" hangingPunct="1">
+              <a:defRPr sz="1800" kern="1200">
+                <a:solidFill>
+                  <a:schemeClr val="tx1"/>
+                </a:solidFill>
+                <a:latin typeface="+mn-lt"/>
+                <a:ea typeface="+mn-ea"/>
+                <a:cs typeface="+mn-cs"/>
+              </a:defRPr>
+            </a:lvl4pPr>
+            <a:lvl5pPr marL="1828800" algn="l" defTabSz="914400" rtl="0" eaLnBrk="1" latinLnBrk="0" hangingPunct="1">
+              <a:defRPr sz="1800" kern="1200">
+                <a:solidFill>
+                  <a:schemeClr val="tx1"/>
+                </a:solidFill>
+                <a:latin typeface="+mn-lt"/>
+                <a:ea typeface="+mn-ea"/>
+                <a:cs typeface="+mn-cs"/>
+              </a:defRPr>
+            </a:lvl5pPr>
+            <a:lvl6pPr marL="2286000" algn="l" defTabSz="914400" rtl="0" eaLnBrk="1" latinLnBrk="0" hangingPunct="1">
+              <a:defRPr sz="1800" kern="1200">
+                <a:solidFill>
+                  <a:schemeClr val="tx1"/>
+                </a:solidFill>
+                <a:latin typeface="+mn-lt"/>
+                <a:ea typeface="+mn-ea"/>
+                <a:cs typeface="+mn-cs"/>
+              </a:defRPr>
+            </a:lvl6pPr>
+            <a:lvl7pPr marL="2743200" algn="l" defTabSz="914400" rtl="0" eaLnBrk="1" latinLnBrk="0" hangingPunct="1">
+              <a:defRPr sz="1800" kern="1200">
+                <a:solidFill>
+                  <a:schemeClr val="tx1"/>
+                </a:solidFill>
+                <a:latin typeface="+mn-lt"/>
+                <a:ea typeface="+mn-ea"/>
+                <a:cs typeface="+mn-cs"/>
+              </a:defRPr>
+            </a:lvl7pPr>
+            <a:lvl8pPr marL="3200400" algn="l" defTabSz="914400" rtl="0" eaLnBrk="1" latinLnBrk="0" hangingPunct="1">
+              <a:defRPr sz="1800" kern="1200">
+                <a:solidFill>
+                  <a:schemeClr val="tx1"/>
+                </a:solidFill>
+                <a:latin typeface="+mn-lt"/>
+                <a:ea typeface="+mn-ea"/>
+                <a:cs typeface="+mn-cs"/>
+              </a:defRPr>
+            </a:lvl8pPr>
+            <a:lvl9pPr marL="3657600" algn="l" defTabSz="914400" rtl="0" eaLnBrk="1" latinLnBrk="0" hangingPunct="1">
+              <a:defRPr sz="1800" kern="1200">
+                <a:solidFill>
+                  <a:schemeClr val="tx1"/>
+                </a:solidFill>
+                <a:latin typeface="+mn-lt"/>
+                <a:ea typeface="+mn-ea"/>
+                <a:cs typeface="+mn-cs"/>
+              </a:defRPr>
+            </a:lvl9pPr>
+          </a:lstStyle>
+          <a:p>
+            <a:r>
+              <a:rPr lang="en-US" dirty="0"/>
+              <a:t>Infoway Technologies, 3rd  Floor Commerce Centre, Rambaug Colony, Paud Road Pune 411038</a:t>
+            </a:r>
+            <a:endParaRPr lang="en-IN" dirty="0"/>
+          </a:p>
+          <a:p>
+            <a:endParaRPr lang="en-US" dirty="0"/>
+          </a:p>
+        </p:txBody>
+      </p:sp>
+      <p:sp>
+        <p:nvSpPr>
+          <p:cNvPr id="21" name="Rectangle 20">
+            <a:extLst>
+              <a:ext uri="{FF2B5EF4-FFF2-40B4-BE49-F238E27FC236}">
+                <a16:creationId xmlns:a16="http://schemas.microsoft.com/office/drawing/2014/main" xmlns="" id="{09A4DD51-F450-4FA7-BA18-C2A26D10D72C}"/>
+              </a:ext>
+            </a:extLst>
+          </p:cNvPr>
+          <p:cNvSpPr/>
+          <p:nvPr/>
+        </p:nvSpPr>
+        <p:spPr>
+          <a:xfrm>
+            <a:off x="1523802" y="2"/>
+            <a:ext cx="9142810" cy="837473"/>
+          </a:xfrm>
+          <a:prstGeom prst="rect">
+            <a:avLst/>
+          </a:prstGeom>
+          <a:solidFill>
+            <a:schemeClr val="bg1"/>
+          </a:solidFill>
+        </p:spPr>
+        <p:txBody>
+          <a:bodyPr wrap="square">
+            <a:spAutoFit/>
+          </a:bodyPr>
+          <a:lstStyle/>
+          <a:p>
+            <a:pPr algn="r" fontAlgn="base">
+              <a:lnSpc>
+                <a:spcPct val="150000"/>
+              </a:lnSpc>
+            </a:pPr>
+            <a:r>
+              <a:rPr lang="en-US" sz="3600" dirty="0" smtClean="0"/>
+              <a:t>DROP</a:t>
+            </a:r>
+            <a:endParaRPr lang="en-US" sz="3600" dirty="0"/>
+          </a:p>
+        </p:txBody>
+      </p:sp>
+      <p:sp>
+        <p:nvSpPr>
+          <p:cNvPr id="5" name="Rectangle 4"/>
+          <p:cNvSpPr/>
+          <p:nvPr/>
+        </p:nvSpPr>
+        <p:spPr>
+          <a:xfrm>
+            <a:off x="478582" y="1196752"/>
+            <a:ext cx="11377264" cy="646331"/>
+          </a:xfrm>
+          <a:prstGeom prst="rect">
+            <a:avLst/>
+          </a:prstGeom>
+        </p:spPr>
+        <p:txBody>
+          <a:bodyPr wrap="square">
+            <a:spAutoFit/>
+          </a:bodyPr>
+          <a:lstStyle/>
+          <a:p>
+            <a:r>
+              <a:rPr lang="en-US" b="1" dirty="0">
+                <a:latin typeface="Palatino Linotype" pitchFamily="18" charset="0"/>
+              </a:rPr>
+              <a:t>DROP</a:t>
+            </a:r>
+            <a:r>
+              <a:rPr lang="en-US" dirty="0"/>
+              <a:t> command, </a:t>
+            </a:r>
+            <a:r>
+              <a:rPr lang="en-US" dirty="0" smtClean="0">
+                <a:latin typeface="Palatino Linotype" pitchFamily="18" charset="0"/>
+              </a:rPr>
+              <a:t>It is very easy to drop an existing MySQL table, but you need to be very careful while deleting any existing table because the data lost will not be recovered after deleting a table.</a:t>
+            </a:r>
+            <a:endParaRPr lang="en-US" dirty="0">
+              <a:latin typeface="Palatino Linotype" pitchFamily="18" charset="0"/>
+            </a:endParaRPr>
+          </a:p>
+        </p:txBody>
+      </p:sp>
+      <p:sp>
+        <p:nvSpPr>
+          <p:cNvPr id="6" name="Rectangle 5"/>
+          <p:cNvSpPr/>
+          <p:nvPr/>
+        </p:nvSpPr>
+        <p:spPr>
+          <a:xfrm>
+            <a:off x="550590" y="2132856"/>
+            <a:ext cx="6092825" cy="464871"/>
+          </a:xfrm>
+          <a:prstGeom prst="rect">
+            <a:avLst/>
+          </a:prstGeom>
+        </p:spPr>
+        <p:txBody>
+          <a:bodyPr>
+            <a:spAutoFit/>
+          </a:bodyPr>
+          <a:lstStyle/>
+          <a:p>
+            <a:pPr marL="342900" indent="-342900">
+              <a:lnSpc>
+                <a:spcPct val="150000"/>
+              </a:lnSpc>
+              <a:buFont typeface="Arial" pitchFamily="34" charset="0"/>
+              <a:buChar char="•"/>
+            </a:pPr>
+            <a:r>
+              <a:rPr lang="en-US" dirty="0" smtClean="0"/>
+              <a:t>DROP TABLE student;</a:t>
+            </a:r>
+            <a:endParaRPr lang="en-US" dirty="0"/>
+          </a:p>
+        </p:txBody>
+      </p:sp>
+    </p:spTree>
+    <p:extLst>
+      <p:ext uri="{BB962C8B-B14F-4D97-AF65-F5344CB8AC3E}">
+        <p14:creationId xmlns:p14="http://schemas.microsoft.com/office/powerpoint/2010/main" xmlns="" val="3166758523"/>
       </p:ext>
     </p:extLst>
   </p:cSld>
